--- a/src/print_A0.pptx
+++ b/src/print_A0.pptx
@@ -243,7 +243,7 @@
           <a:p>
             <a:fld id="{666437CF-6810-4A08-BF63-137A709DEE82}" type="datetimeFigureOut">
               <a:rPr lang="fr-FR" smtClean="0"/>
-              <a:t>17/12/2024</a:t>
+              <a:t>18/12/2024</a:t>
             </a:fld>
             <a:endParaRPr lang="fr-FR"/>
           </a:p>
@@ -413,7 +413,7 @@
           <a:p>
             <a:fld id="{666437CF-6810-4A08-BF63-137A709DEE82}" type="datetimeFigureOut">
               <a:rPr lang="fr-FR" smtClean="0"/>
-              <a:t>17/12/2024</a:t>
+              <a:t>18/12/2024</a:t>
             </a:fld>
             <a:endParaRPr lang="fr-FR"/>
           </a:p>
@@ -593,7 +593,7 @@
           <a:p>
             <a:fld id="{666437CF-6810-4A08-BF63-137A709DEE82}" type="datetimeFigureOut">
               <a:rPr lang="fr-FR" smtClean="0"/>
-              <a:t>17/12/2024</a:t>
+              <a:t>18/12/2024</a:t>
             </a:fld>
             <a:endParaRPr lang="fr-FR"/>
           </a:p>
@@ -763,7 +763,7 @@
           <a:p>
             <a:fld id="{666437CF-6810-4A08-BF63-137A709DEE82}" type="datetimeFigureOut">
               <a:rPr lang="fr-FR" smtClean="0"/>
-              <a:t>17/12/2024</a:t>
+              <a:t>18/12/2024</a:t>
             </a:fld>
             <a:endParaRPr lang="fr-FR"/>
           </a:p>
@@ -1007,7 +1007,7 @@
           <a:p>
             <a:fld id="{666437CF-6810-4A08-BF63-137A709DEE82}" type="datetimeFigureOut">
               <a:rPr lang="fr-FR" smtClean="0"/>
-              <a:t>17/12/2024</a:t>
+              <a:t>18/12/2024</a:t>
             </a:fld>
             <a:endParaRPr lang="fr-FR"/>
           </a:p>
@@ -1239,7 +1239,7 @@
           <a:p>
             <a:fld id="{666437CF-6810-4A08-BF63-137A709DEE82}" type="datetimeFigureOut">
               <a:rPr lang="fr-FR" smtClean="0"/>
-              <a:t>17/12/2024</a:t>
+              <a:t>18/12/2024</a:t>
             </a:fld>
             <a:endParaRPr lang="fr-FR"/>
           </a:p>
@@ -1606,7 +1606,7 @@
           <a:p>
             <a:fld id="{666437CF-6810-4A08-BF63-137A709DEE82}" type="datetimeFigureOut">
               <a:rPr lang="fr-FR" smtClean="0"/>
-              <a:t>17/12/2024</a:t>
+              <a:t>18/12/2024</a:t>
             </a:fld>
             <a:endParaRPr lang="fr-FR"/>
           </a:p>
@@ -1724,7 +1724,7 @@
           <a:p>
             <a:fld id="{666437CF-6810-4A08-BF63-137A709DEE82}" type="datetimeFigureOut">
               <a:rPr lang="fr-FR" smtClean="0"/>
-              <a:t>17/12/2024</a:t>
+              <a:t>18/12/2024</a:t>
             </a:fld>
             <a:endParaRPr lang="fr-FR"/>
           </a:p>
@@ -1819,7 +1819,7 @@
           <a:p>
             <a:fld id="{666437CF-6810-4A08-BF63-137A709DEE82}" type="datetimeFigureOut">
               <a:rPr lang="fr-FR" smtClean="0"/>
-              <a:t>17/12/2024</a:t>
+              <a:t>18/12/2024</a:t>
             </a:fld>
             <a:endParaRPr lang="fr-FR"/>
           </a:p>
@@ -2096,7 +2096,7 @@
           <a:p>
             <a:fld id="{666437CF-6810-4A08-BF63-137A709DEE82}" type="datetimeFigureOut">
               <a:rPr lang="fr-FR" smtClean="0"/>
-              <a:t>17/12/2024</a:t>
+              <a:t>18/12/2024</a:t>
             </a:fld>
             <a:endParaRPr lang="fr-FR"/>
           </a:p>
@@ -2353,7 +2353,7 @@
           <a:p>
             <a:fld id="{666437CF-6810-4A08-BF63-137A709DEE82}" type="datetimeFigureOut">
               <a:rPr lang="fr-FR" smtClean="0"/>
-              <a:t>17/12/2024</a:t>
+              <a:t>18/12/2024</a:t>
             </a:fld>
             <a:endParaRPr lang="fr-FR"/>
           </a:p>
@@ -2566,7 +2566,7 @@
           <a:p>
             <a:fld id="{666437CF-6810-4A08-BF63-137A709DEE82}" type="datetimeFigureOut">
               <a:rPr lang="fr-FR" smtClean="0"/>
-              <a:t>17/12/2024</a:t>
+              <a:t>18/12/2024</a:t>
             </a:fld>
             <a:endParaRPr lang="fr-FR"/>
           </a:p>
@@ -2973,10 +2973,10 @@
       </p:grpSpPr>
       <p:pic>
         <p:nvPicPr>
-          <p:cNvPr id="7" name="Graphique 6">
+          <p:cNvPr id="27" name="Graphique 26">
             <a:extLst>
               <a:ext uri="{FF2B5EF4-FFF2-40B4-BE49-F238E27FC236}">
-                <a16:creationId xmlns:a16="http://schemas.microsoft.com/office/drawing/2014/main" id="{09EB8CE1-8130-413B-AB14-6B3C57AC387E}"/>
+                <a16:creationId xmlns:a16="http://schemas.microsoft.com/office/drawing/2014/main" id="{78D11C59-A90B-49C2-A81B-E83E5792000B}"/>
               </a:ext>
             </a:extLst>
           </p:cNvPr>
@@ -3002,8 +3002,54 @@
         </p:blipFill>
         <p:spPr>
           <a:xfrm>
-            <a:off x="489332" y="7798302"/>
-            <a:ext cx="3395585" cy="2239069"/>
+            <a:off x="3066973" y="6872941"/>
+            <a:ext cx="4341611" cy="3246430"/>
+          </a:xfrm>
+          <a:prstGeom prst="rect">
+            <a:avLst/>
+          </a:prstGeom>
+          <a:effectLst>
+            <a:outerShdw blurRad="50800" dist="38100" dir="2700000" algn="tl" rotWithShape="0">
+              <a:prstClr val="black">
+                <a:alpha val="40000"/>
+              </a:prstClr>
+            </a:outerShdw>
+          </a:effectLst>
+        </p:spPr>
+      </p:pic>
+      <p:pic>
+        <p:nvPicPr>
+          <p:cNvPr id="7" name="Graphique 6">
+            <a:extLst>
+              <a:ext uri="{FF2B5EF4-FFF2-40B4-BE49-F238E27FC236}">
+                <a16:creationId xmlns:a16="http://schemas.microsoft.com/office/drawing/2014/main" id="{09EB8CE1-8130-413B-AB14-6B3C57AC387E}"/>
+              </a:ext>
+            </a:extLst>
+          </p:cNvPr>
+          <p:cNvPicPr>
+            <a:picLocks noChangeAspect="1"/>
+          </p:cNvPicPr>
+          <p:nvPr/>
+        </p:nvPicPr>
+        <p:blipFill>
+          <a:blip r:embed="rId4">
+            <a:extLst>
+              <a:ext uri="{28A0092B-C50C-407E-A947-70E740481C1C}">
+                <a14:useLocalDpi xmlns:a14="http://schemas.microsoft.com/office/drawing/2010/main" val="0"/>
+              </a:ext>
+              <a:ext uri="{96DAC541-7B7A-43D3-8B79-37D633B846F1}">
+                <asvg:svgBlip xmlns:asvg="http://schemas.microsoft.com/office/drawing/2016/SVG/main" r:embed="rId5"/>
+              </a:ext>
+            </a:extLst>
+          </a:blip>
+          <a:stretch>
+            <a:fillRect/>
+          </a:stretch>
+        </p:blipFill>
+        <p:spPr>
+          <a:xfrm>
+            <a:off x="288186" y="7946696"/>
+            <a:ext cx="2823268" cy="1861680"/>
           </a:xfrm>
           <a:prstGeom prst="rect">
             <a:avLst/>
@@ -3032,13 +3078,13 @@
           <p:nvPr/>
         </p:nvPicPr>
         <p:blipFill>
-          <a:blip r:embed="rId4">
+          <a:blip r:embed="rId6">
             <a:extLst>
               <a:ext uri="{28A0092B-C50C-407E-A947-70E740481C1C}">
                 <a14:useLocalDpi xmlns:a14="http://schemas.microsoft.com/office/drawing/2010/main" val="0"/>
               </a:ext>
               <a:ext uri="{96DAC541-7B7A-43D3-8B79-37D633B846F1}">
-                <asvg:svgBlip xmlns:asvg="http://schemas.microsoft.com/office/drawing/2016/SVG/main" r:embed="rId5"/>
+                <asvg:svgBlip xmlns:asvg="http://schemas.microsoft.com/office/drawing/2016/SVG/main" r:embed="rId7"/>
               </a:ext>
             </a:extLst>
           </a:blip>
@@ -3048,8 +3094,8 @@
         </p:blipFill>
         <p:spPr>
           <a:xfrm>
-            <a:off x="1326691" y="1402058"/>
-            <a:ext cx="6398378" cy="6280287"/>
+            <a:off x="1471164" y="1431208"/>
+            <a:ext cx="5928465" cy="5819047"/>
           </a:xfrm>
           <a:prstGeom prst="rect">
             <a:avLst/>
@@ -3078,13 +3124,13 @@
           <p:nvPr/>
         </p:nvPicPr>
         <p:blipFill>
-          <a:blip r:embed="rId6">
+          <a:blip r:embed="rId8">
             <a:extLst>
               <a:ext uri="{28A0092B-C50C-407E-A947-70E740481C1C}">
                 <a14:useLocalDpi xmlns:a14="http://schemas.microsoft.com/office/drawing/2010/main" val="0"/>
               </a:ext>
               <a:ext uri="{96DAC541-7B7A-43D3-8B79-37D633B846F1}">
-                <asvg:svgBlip xmlns:asvg="http://schemas.microsoft.com/office/drawing/2016/SVG/main" r:embed="rId7"/>
+                <asvg:svgBlip xmlns:asvg="http://schemas.microsoft.com/office/drawing/2016/SVG/main" r:embed="rId9"/>
               </a:ext>
             </a:extLst>
           </a:blip>
@@ -3094,8 +3140,8 @@
         </p:blipFill>
         <p:spPr>
           <a:xfrm>
-            <a:off x="907386" y="1488402"/>
-            <a:ext cx="6140225" cy="6026898"/>
+            <a:off x="1031713" y="1389546"/>
+            <a:ext cx="5775802" cy="5669201"/>
           </a:xfrm>
           <a:prstGeom prst="rect">
             <a:avLst/>
@@ -3123,7 +3169,7 @@
         </p:nvSpPr>
         <p:spPr>
           <a:xfrm rot="21237303">
-            <a:off x="441335" y="724442"/>
+            <a:off x="441334" y="616419"/>
             <a:ext cx="4746043" cy="769441"/>
           </a:xfrm>
           <a:prstGeom prst="rect">
@@ -3277,7 +3323,7 @@
                 </a:solidFill>
                 <a:latin typeface="Lexend"/>
               </a:rPr>
-              <a:t>A l’international</a:t>
+              <a:t>À l’international</a:t>
             </a:r>
           </a:p>
         </p:txBody>
@@ -3295,8 +3341,8 @@
           <p:nvPr/>
         </p:nvSpPr>
         <p:spPr>
-          <a:xfrm rot="844924">
-            <a:off x="4289587" y="9808831"/>
+          <a:xfrm rot="1263722">
+            <a:off x="3525640" y="9609254"/>
             <a:ext cx="1402964" cy="307777"/>
           </a:xfrm>
           <a:prstGeom prst="rect">
@@ -3326,57 +3372,11 @@
                 </a:solidFill>
                 <a:latin typeface="Lexend"/>
               </a:rPr>
-              <a:t>En île de France</a:t>
-            </a:r>
-          </a:p>
-        </p:txBody>
-      </p:sp>
-      <p:pic>
-        <p:nvPicPr>
-          <p:cNvPr id="27" name="Graphique 26">
-            <a:extLst>
-              <a:ext uri="{FF2B5EF4-FFF2-40B4-BE49-F238E27FC236}">
-                <a16:creationId xmlns:a16="http://schemas.microsoft.com/office/drawing/2014/main" id="{78D11C59-A90B-49C2-A81B-E83E5792000B}"/>
-              </a:ext>
-            </a:extLst>
-          </p:cNvPr>
-          <p:cNvPicPr>
-            <a:picLocks noChangeAspect="1"/>
-          </p:cNvPicPr>
-          <p:nvPr/>
-        </p:nvPicPr>
-        <p:blipFill>
-          <a:blip r:embed="rId8">
-            <a:extLst>
-              <a:ext uri="{28A0092B-C50C-407E-A947-70E740481C1C}">
-                <a14:useLocalDpi xmlns:a14="http://schemas.microsoft.com/office/drawing/2010/main" val="0"/>
-              </a:ext>
-              <a:ext uri="{96DAC541-7B7A-43D3-8B79-37D633B846F1}">
-                <asvg:svgBlip xmlns:asvg="http://schemas.microsoft.com/office/drawing/2016/SVG/main" r:embed="rId9"/>
-              </a:ext>
-            </a:extLst>
-          </a:blip>
-          <a:stretch>
-            <a:fillRect/>
-          </a:stretch>
-        </p:blipFill>
-        <p:spPr>
-          <a:xfrm>
-            <a:off x="3788375" y="7478605"/>
-            <a:ext cx="3333104" cy="2492321"/>
-          </a:xfrm>
-          <a:prstGeom prst="rect">
-            <a:avLst/>
-          </a:prstGeom>
-          <a:effectLst>
-            <a:outerShdw blurRad="50800" dist="38100" dir="2700000" algn="tl" rotWithShape="0">
-              <a:prstClr val="black">
-                <a:alpha val="40000"/>
-              </a:prstClr>
-            </a:outerShdw>
-          </a:effectLst>
-        </p:spPr>
-      </p:pic>
+              <a:t>En Île-de-France</a:t>
+            </a:r>
+          </a:p>
+        </p:txBody>
+      </p:sp>
       <p:pic>
         <p:nvPicPr>
           <p:cNvPr id="34" name="Graphique 33" descr="Flèche : pivoter à droite avec un remplissage uni">
@@ -3408,7 +3408,7 @@
         </p:blipFill>
         <p:spPr>
           <a:xfrm rot="1458887">
-            <a:off x="2007799" y="6861961"/>
+            <a:off x="1780795" y="7041736"/>
             <a:ext cx="914400" cy="914400"/>
           </a:xfrm>
           <a:prstGeom prst="rect">
@@ -3454,7 +3454,7 @@
         </p:blipFill>
         <p:spPr>
           <a:xfrm rot="1499398">
-            <a:off x="3729512" y="8844411"/>
+            <a:off x="2968779" y="8602576"/>
             <a:ext cx="914400" cy="914400"/>
           </a:xfrm>
           <a:prstGeom prst="rect">
@@ -3500,7 +3500,7 @@
         </p:blipFill>
         <p:spPr>
           <a:xfrm>
-            <a:off x="1205765" y="3867675"/>
+            <a:off x="718698" y="3924853"/>
             <a:ext cx="914400" cy="914400"/>
           </a:xfrm>
           <a:prstGeom prst="rect">
